--- a/python.pptx
+++ b/python.pptx
@@ -6,6 +6,9 @@
   </p:sldMasterIdLst>
   <p:sldIdLst>
     <p:sldId id="256" r:id="rId2"/>
+    <p:sldId id="257" r:id="rId3"/>
+    <p:sldId id="258" r:id="rId4"/>
+    <p:sldId id="259" r:id="rId5"/>
   </p:sldIdLst>
   <p:sldSz cx="10799763" cy="3240088"/>
   <p:notesSz cx="9144000" cy="6858000"/>
@@ -243,7 +246,7 @@
           <a:p>
             <a:fld id="{F4787AAB-C090-4624-A6CF-2F45CBFC35CD}" type="datetimeFigureOut">
               <a:rPr lang="pt-BR" smtClean="0"/>
-              <a:t>18/07/2023</a:t>
+              <a:t>19/07/2023</a:t>
             </a:fld>
             <a:endParaRPr lang="pt-BR"/>
           </a:p>
@@ -413,7 +416,7 @@
           <a:p>
             <a:fld id="{F4787AAB-C090-4624-A6CF-2F45CBFC35CD}" type="datetimeFigureOut">
               <a:rPr lang="pt-BR" smtClean="0"/>
-              <a:t>18/07/2023</a:t>
+              <a:t>19/07/2023</a:t>
             </a:fld>
             <a:endParaRPr lang="pt-BR"/>
           </a:p>
@@ -593,7 +596,7 @@
           <a:p>
             <a:fld id="{F4787AAB-C090-4624-A6CF-2F45CBFC35CD}" type="datetimeFigureOut">
               <a:rPr lang="pt-BR" smtClean="0"/>
-              <a:t>18/07/2023</a:t>
+              <a:t>19/07/2023</a:t>
             </a:fld>
             <a:endParaRPr lang="pt-BR"/>
           </a:p>
@@ -763,7 +766,7 @@
           <a:p>
             <a:fld id="{F4787AAB-C090-4624-A6CF-2F45CBFC35CD}" type="datetimeFigureOut">
               <a:rPr lang="pt-BR" smtClean="0"/>
-              <a:t>18/07/2023</a:t>
+              <a:t>19/07/2023</a:t>
             </a:fld>
             <a:endParaRPr lang="pt-BR"/>
           </a:p>
@@ -1009,7 +1012,7 @@
           <a:p>
             <a:fld id="{F4787AAB-C090-4624-A6CF-2F45CBFC35CD}" type="datetimeFigureOut">
               <a:rPr lang="pt-BR" smtClean="0"/>
-              <a:t>18/07/2023</a:t>
+              <a:t>19/07/2023</a:t>
             </a:fld>
             <a:endParaRPr lang="pt-BR"/>
           </a:p>
@@ -1241,7 +1244,7 @@
           <a:p>
             <a:fld id="{F4787AAB-C090-4624-A6CF-2F45CBFC35CD}" type="datetimeFigureOut">
               <a:rPr lang="pt-BR" smtClean="0"/>
-              <a:t>18/07/2023</a:t>
+              <a:t>19/07/2023</a:t>
             </a:fld>
             <a:endParaRPr lang="pt-BR"/>
           </a:p>
@@ -1608,7 +1611,7 @@
           <a:p>
             <a:fld id="{F4787AAB-C090-4624-A6CF-2F45CBFC35CD}" type="datetimeFigureOut">
               <a:rPr lang="pt-BR" smtClean="0"/>
-              <a:t>18/07/2023</a:t>
+              <a:t>19/07/2023</a:t>
             </a:fld>
             <a:endParaRPr lang="pt-BR"/>
           </a:p>
@@ -1726,7 +1729,7 @@
           <a:p>
             <a:fld id="{F4787AAB-C090-4624-A6CF-2F45CBFC35CD}" type="datetimeFigureOut">
               <a:rPr lang="pt-BR" smtClean="0"/>
-              <a:t>18/07/2023</a:t>
+              <a:t>19/07/2023</a:t>
             </a:fld>
             <a:endParaRPr lang="pt-BR"/>
           </a:p>
@@ -1821,7 +1824,7 @@
           <a:p>
             <a:fld id="{F4787AAB-C090-4624-A6CF-2F45CBFC35CD}" type="datetimeFigureOut">
               <a:rPr lang="pt-BR" smtClean="0"/>
-              <a:t>18/07/2023</a:t>
+              <a:t>19/07/2023</a:t>
             </a:fld>
             <a:endParaRPr lang="pt-BR"/>
           </a:p>
@@ -2098,7 +2101,7 @@
           <a:p>
             <a:fld id="{F4787AAB-C090-4624-A6CF-2F45CBFC35CD}" type="datetimeFigureOut">
               <a:rPr lang="pt-BR" smtClean="0"/>
-              <a:t>18/07/2023</a:t>
+              <a:t>19/07/2023</a:t>
             </a:fld>
             <a:endParaRPr lang="pt-BR"/>
           </a:p>
@@ -2355,7 +2358,7 @@
           <a:p>
             <a:fld id="{F4787AAB-C090-4624-A6CF-2F45CBFC35CD}" type="datetimeFigureOut">
               <a:rPr lang="pt-BR" smtClean="0"/>
-              <a:t>18/07/2023</a:t>
+              <a:t>19/07/2023</a:t>
             </a:fld>
             <a:endParaRPr lang="pt-BR"/>
           </a:p>
@@ -2568,7 +2571,7 @@
           <a:p>
             <a:fld id="{F4787AAB-C090-4624-A6CF-2F45CBFC35CD}" type="datetimeFigureOut">
               <a:rPr lang="pt-BR" smtClean="0"/>
-              <a:t>18/07/2023</a:t>
+              <a:t>19/07/2023</a:t>
             </a:fld>
             <a:endParaRPr lang="pt-BR"/>
           </a:p>
@@ -3273,6 +3276,806 @@
 </p:sld>
 </file>
 
+<file path=ppt/slides/slide2.xml><?xml version="1.0" encoding="utf-8"?>
+<p:sld xmlns:a="http://schemas.openxmlformats.org/drawingml/2006/main" xmlns:r="http://schemas.openxmlformats.org/officeDocument/2006/relationships" xmlns:p="http://schemas.openxmlformats.org/presentationml/2006/main">
+  <p:cSld>
+    <p:bg>
+      <p:bgPr>
+        <a:solidFill>
+          <a:schemeClr val="bg1">
+            <a:alpha val="1000"/>
+          </a:schemeClr>
+        </a:solidFill>
+        <a:effectLst/>
+      </p:bgPr>
+    </p:bg>
+    <p:spTree>
+      <p:nvGrpSpPr>
+        <p:cNvPr id="1" name=""/>
+        <p:cNvGrpSpPr/>
+        <p:nvPr/>
+      </p:nvGrpSpPr>
+      <p:grpSpPr>
+        <a:xfrm>
+          <a:off x="0" y="0"/>
+          <a:ext cx="0" cy="0"/>
+          <a:chOff x="0" y="0"/>
+          <a:chExt cx="0" cy="0"/>
+        </a:xfrm>
+      </p:grpSpPr>
+      <p:grpSp>
+        <p:nvGrpSpPr>
+          <p:cNvPr id="14" name="Agrupar 13">
+            <a:extLst>
+              <a:ext uri="{FF2B5EF4-FFF2-40B4-BE49-F238E27FC236}">
+                <a16:creationId xmlns:a16="http://schemas.microsoft.com/office/drawing/2014/main" id="{14D89B99-7653-A104-DA76-0A06DFE32CD6}"/>
+              </a:ext>
+            </a:extLst>
+          </p:cNvPr>
+          <p:cNvGrpSpPr/>
+          <p:nvPr/>
+        </p:nvGrpSpPr>
+        <p:grpSpPr>
+          <a:xfrm>
+            <a:off x="-1" y="542310"/>
+            <a:ext cx="10799763" cy="2700338"/>
+            <a:chOff x="-1" y="269938"/>
+            <a:chExt cx="10799763" cy="2700338"/>
+          </a:xfrm>
+        </p:grpSpPr>
+        <p:sp>
+          <p:nvSpPr>
+            <p:cNvPr id="6" name="Retângulo 5">
+              <a:extLst>
+                <a:ext uri="{FF2B5EF4-FFF2-40B4-BE49-F238E27FC236}">
+                  <a16:creationId xmlns:a16="http://schemas.microsoft.com/office/drawing/2014/main" id="{0A686413-3FB1-B1EA-019E-CA3BA22B58B5}"/>
+                </a:ext>
+              </a:extLst>
+            </p:cNvPr>
+            <p:cNvSpPr/>
+            <p:nvPr/>
+          </p:nvSpPr>
+          <p:spPr>
+            <a:xfrm>
+              <a:off x="-1" y="269938"/>
+              <a:ext cx="10799763" cy="2700338"/>
+            </a:xfrm>
+            <a:prstGeom prst="rect">
+              <a:avLst/>
+            </a:prstGeom>
+            <a:gradFill>
+              <a:gsLst>
+                <a:gs pos="34000">
+                  <a:srgbClr val="17AA4A">
+                    <a:lumMod val="95000"/>
+                    <a:alpha val="57000"/>
+                  </a:srgbClr>
+                </a:gs>
+                <a:gs pos="0">
+                  <a:srgbClr val="FED932"/>
+                </a:gs>
+                <a:gs pos="99000">
+                  <a:srgbClr val="A56421"/>
+                </a:gs>
+                <a:gs pos="72000">
+                  <a:srgbClr val="013FB7"/>
+                </a:gs>
+              </a:gsLst>
+              <a:lin ang="5400000" scaled="1"/>
+            </a:gradFill>
+            <a:ln>
+              <a:noFill/>
+            </a:ln>
+          </p:spPr>
+          <p:style>
+            <a:lnRef idx="2">
+              <a:schemeClr val="accent1">
+                <a:shade val="15000"/>
+              </a:schemeClr>
+            </a:lnRef>
+            <a:fillRef idx="1">
+              <a:schemeClr val="accent1"/>
+            </a:fillRef>
+            <a:effectRef idx="0">
+              <a:schemeClr val="accent1"/>
+            </a:effectRef>
+            <a:fontRef idx="minor">
+              <a:schemeClr val="lt1"/>
+            </a:fontRef>
+          </p:style>
+          <p:txBody>
+            <a:bodyPr rtlCol="0" anchor="ctr"/>
+            <a:lstStyle/>
+            <a:p>
+              <a:pPr algn="ctr"/>
+              <a:endParaRPr lang="pt-BR" sz="1688" b="1" dirty="0">
+                <a:solidFill>
+                  <a:schemeClr val="bg1"/>
+                </a:solidFill>
+                <a:latin typeface="Arial Rounded MT Bold" panose="020F0704030504030204" pitchFamily="34" charset="0"/>
+              </a:endParaRPr>
+            </a:p>
+          </p:txBody>
+        </p:sp>
+        <p:sp>
+          <p:nvSpPr>
+            <p:cNvPr id="13" name="CaixaDeTexto 12">
+              <a:extLst>
+                <a:ext uri="{FF2B5EF4-FFF2-40B4-BE49-F238E27FC236}">
+                  <a16:creationId xmlns:a16="http://schemas.microsoft.com/office/drawing/2014/main" id="{1A766BF3-B618-99B6-EE02-B7082F967C0C}"/>
+                </a:ext>
+              </a:extLst>
+            </p:cNvPr>
+            <p:cNvSpPr txBox="1"/>
+            <p:nvPr/>
+          </p:nvSpPr>
+          <p:spPr>
+            <a:xfrm>
+              <a:off x="2982327" y="1223191"/>
+              <a:ext cx="1371310" cy="276999"/>
+            </a:xfrm>
+            <a:prstGeom prst="rect">
+              <a:avLst/>
+            </a:prstGeom>
+            <a:noFill/>
+            <a:ln>
+              <a:noFill/>
+            </a:ln>
+          </p:spPr>
+          <p:txBody>
+            <a:bodyPr wrap="square" rtlCol="0">
+              <a:spAutoFit/>
+            </a:bodyPr>
+            <a:lstStyle/>
+            <a:p>
+              <a:r>
+                <a:rPr lang="pt-BR" sz="1200" b="1" kern="0" dirty="0">
+                  <a:solidFill>
+                    <a:schemeClr val="bg1"/>
+                  </a:solidFill>
+                  <a:latin typeface="Arial Black" panose="020B0A04020102020204" pitchFamily="34" charset="0"/>
+                </a:rPr>
+                <a:t>#PYTHON</a:t>
+              </a:r>
+              <a:endParaRPr lang="pt-BR" sz="1200" b="1" dirty="0">
+                <a:solidFill>
+                  <a:schemeClr val="bg1"/>
+                </a:solidFill>
+                <a:latin typeface="Arial Black" panose="020B0A04020102020204" pitchFamily="34" charset="0"/>
+              </a:endParaRPr>
+            </a:p>
+          </p:txBody>
+        </p:sp>
+        <p:sp>
+          <p:nvSpPr>
+            <p:cNvPr id="11" name="CaixaDeTexto 10">
+              <a:extLst>
+                <a:ext uri="{FF2B5EF4-FFF2-40B4-BE49-F238E27FC236}">
+                  <a16:creationId xmlns:a16="http://schemas.microsoft.com/office/drawing/2014/main" id="{2BF5CC89-76D1-F9E4-BDEF-AC616AD2C7B4}"/>
+                </a:ext>
+              </a:extLst>
+            </p:cNvPr>
+            <p:cNvSpPr txBox="1"/>
+            <p:nvPr/>
+          </p:nvSpPr>
+          <p:spPr>
+            <a:xfrm>
+              <a:off x="2951014" y="1649291"/>
+              <a:ext cx="7272757" cy="707886"/>
+            </a:xfrm>
+            <a:prstGeom prst="rect">
+              <a:avLst/>
+            </a:prstGeom>
+            <a:noFill/>
+          </p:spPr>
+          <p:txBody>
+            <a:bodyPr wrap="square" rtlCol="0">
+              <a:spAutoFit/>
+            </a:bodyPr>
+            <a:lstStyle/>
+            <a:p>
+              <a:r>
+                <a:rPr lang="pt-BR" sz="4000" b="1" kern="0" dirty="0">
+                  <a:solidFill>
+                    <a:schemeClr val="bg1"/>
+                  </a:solidFill>
+                  <a:latin typeface="Arial Black" panose="020B0A04020102020204" pitchFamily="34" charset="0"/>
+                  <a:ea typeface="Times New Roman" panose="02020603050405020304" pitchFamily="18" charset="0"/>
+                </a:rPr>
+                <a:t>CÓDIGO LEGÍVEL</a:t>
+              </a:r>
+              <a:endParaRPr lang="pt-BR" sz="4000" b="1" dirty="0">
+                <a:solidFill>
+                  <a:schemeClr val="bg1"/>
+                </a:solidFill>
+                <a:latin typeface="Arial Black" panose="020B0A04020102020204" pitchFamily="34" charset="0"/>
+              </a:endParaRPr>
+            </a:p>
+          </p:txBody>
+        </p:sp>
+      </p:grpSp>
+      <p:pic>
+        <p:nvPicPr>
+          <p:cNvPr id="5" name="Imagem 4">
+            <a:extLst>
+              <a:ext uri="{FF2B5EF4-FFF2-40B4-BE49-F238E27FC236}">
+                <a16:creationId xmlns:a16="http://schemas.microsoft.com/office/drawing/2014/main" id="{D9120F86-9A09-B87F-DAFC-BD98D5790278}"/>
+              </a:ext>
+            </a:extLst>
+          </p:cNvPr>
+          <p:cNvPicPr>
+            <a:picLocks noChangeAspect="1"/>
+          </p:cNvPicPr>
+          <p:nvPr/>
+        </p:nvPicPr>
+        <p:blipFill>
+          <a:blip r:embed="rId2">
+            <a:extLst>
+              <a:ext uri="{28A0092B-C50C-407E-A947-70E740481C1C}">
+                <a14:useLocalDpi xmlns:a14="http://schemas.microsoft.com/office/drawing/2010/main" val="0"/>
+              </a:ext>
+            </a:extLst>
+          </a:blip>
+          <a:stretch>
+            <a:fillRect/>
+          </a:stretch>
+        </p:blipFill>
+        <p:spPr>
+          <a:xfrm>
+            <a:off x="846848" y="-494852"/>
+            <a:ext cx="2135479" cy="4074631"/>
+          </a:xfrm>
+          <a:prstGeom prst="rect">
+            <a:avLst/>
+          </a:prstGeom>
+        </p:spPr>
+      </p:pic>
+    </p:spTree>
+    <p:extLst>
+      <p:ext uri="{BB962C8B-B14F-4D97-AF65-F5344CB8AC3E}">
+        <p14:creationId xmlns:p14="http://schemas.microsoft.com/office/powerpoint/2010/main" val="1330332961"/>
+      </p:ext>
+    </p:extLst>
+  </p:cSld>
+  <p:clrMapOvr>
+    <a:masterClrMapping/>
+  </p:clrMapOvr>
+</p:sld>
+</file>
+
+<file path=ppt/slides/slide3.xml><?xml version="1.0" encoding="utf-8"?>
+<p:sld xmlns:a="http://schemas.openxmlformats.org/drawingml/2006/main" xmlns:r="http://schemas.openxmlformats.org/officeDocument/2006/relationships" xmlns:p="http://schemas.openxmlformats.org/presentationml/2006/main">
+  <p:cSld>
+    <p:bg>
+      <p:bgPr>
+        <a:solidFill>
+          <a:schemeClr val="bg1">
+            <a:alpha val="1000"/>
+          </a:schemeClr>
+        </a:solidFill>
+        <a:effectLst/>
+      </p:bgPr>
+    </p:bg>
+    <p:spTree>
+      <p:nvGrpSpPr>
+        <p:cNvPr id="1" name=""/>
+        <p:cNvGrpSpPr/>
+        <p:nvPr/>
+      </p:nvGrpSpPr>
+      <p:grpSpPr>
+        <a:xfrm>
+          <a:off x="0" y="0"/>
+          <a:ext cx="0" cy="0"/>
+          <a:chOff x="0" y="0"/>
+          <a:chExt cx="0" cy="0"/>
+        </a:xfrm>
+      </p:grpSpPr>
+      <p:grpSp>
+        <p:nvGrpSpPr>
+          <p:cNvPr id="14" name="Agrupar 13">
+            <a:extLst>
+              <a:ext uri="{FF2B5EF4-FFF2-40B4-BE49-F238E27FC236}">
+                <a16:creationId xmlns:a16="http://schemas.microsoft.com/office/drawing/2014/main" id="{14D89B99-7653-A104-DA76-0A06DFE32CD6}"/>
+              </a:ext>
+            </a:extLst>
+          </p:cNvPr>
+          <p:cNvGrpSpPr/>
+          <p:nvPr/>
+        </p:nvGrpSpPr>
+        <p:grpSpPr>
+          <a:xfrm>
+            <a:off x="-1" y="542310"/>
+            <a:ext cx="10799763" cy="2700338"/>
+            <a:chOff x="-1" y="269938"/>
+            <a:chExt cx="10799763" cy="2700338"/>
+          </a:xfrm>
+        </p:grpSpPr>
+        <p:sp>
+          <p:nvSpPr>
+            <p:cNvPr id="6" name="Retângulo 5">
+              <a:extLst>
+                <a:ext uri="{FF2B5EF4-FFF2-40B4-BE49-F238E27FC236}">
+                  <a16:creationId xmlns:a16="http://schemas.microsoft.com/office/drawing/2014/main" id="{0A686413-3FB1-B1EA-019E-CA3BA22B58B5}"/>
+                </a:ext>
+              </a:extLst>
+            </p:cNvPr>
+            <p:cNvSpPr/>
+            <p:nvPr/>
+          </p:nvSpPr>
+          <p:spPr>
+            <a:xfrm>
+              <a:off x="-1" y="269938"/>
+              <a:ext cx="10799763" cy="2700338"/>
+            </a:xfrm>
+            <a:prstGeom prst="rect">
+              <a:avLst/>
+            </a:prstGeom>
+            <a:gradFill>
+              <a:gsLst>
+                <a:gs pos="34000">
+                  <a:srgbClr val="17AA4A">
+                    <a:lumMod val="95000"/>
+                    <a:alpha val="57000"/>
+                  </a:srgbClr>
+                </a:gs>
+                <a:gs pos="0">
+                  <a:srgbClr val="FED932"/>
+                </a:gs>
+                <a:gs pos="99000">
+                  <a:srgbClr val="A56421"/>
+                </a:gs>
+                <a:gs pos="72000">
+                  <a:srgbClr val="013FB7"/>
+                </a:gs>
+              </a:gsLst>
+              <a:lin ang="5400000" scaled="1"/>
+            </a:gradFill>
+            <a:ln>
+              <a:noFill/>
+            </a:ln>
+          </p:spPr>
+          <p:style>
+            <a:lnRef idx="2">
+              <a:schemeClr val="accent1">
+                <a:shade val="15000"/>
+              </a:schemeClr>
+            </a:lnRef>
+            <a:fillRef idx="1">
+              <a:schemeClr val="accent1"/>
+            </a:fillRef>
+            <a:effectRef idx="0">
+              <a:schemeClr val="accent1"/>
+            </a:effectRef>
+            <a:fontRef idx="minor">
+              <a:schemeClr val="lt1"/>
+            </a:fontRef>
+          </p:style>
+          <p:txBody>
+            <a:bodyPr rtlCol="0" anchor="ctr"/>
+            <a:lstStyle/>
+            <a:p>
+              <a:pPr algn="ctr"/>
+              <a:endParaRPr lang="pt-BR" sz="1688" b="1" dirty="0">
+                <a:solidFill>
+                  <a:schemeClr val="bg1"/>
+                </a:solidFill>
+                <a:latin typeface="Arial Rounded MT Bold" panose="020F0704030504030204" pitchFamily="34" charset="0"/>
+              </a:endParaRPr>
+            </a:p>
+          </p:txBody>
+        </p:sp>
+        <p:sp>
+          <p:nvSpPr>
+            <p:cNvPr id="13" name="CaixaDeTexto 12">
+              <a:extLst>
+                <a:ext uri="{FF2B5EF4-FFF2-40B4-BE49-F238E27FC236}">
+                  <a16:creationId xmlns:a16="http://schemas.microsoft.com/office/drawing/2014/main" id="{1A766BF3-B618-99B6-EE02-B7082F967C0C}"/>
+                </a:ext>
+              </a:extLst>
+            </p:cNvPr>
+            <p:cNvSpPr txBox="1"/>
+            <p:nvPr/>
+          </p:nvSpPr>
+          <p:spPr>
+            <a:xfrm>
+              <a:off x="2982327" y="1223191"/>
+              <a:ext cx="1371310" cy="276999"/>
+            </a:xfrm>
+            <a:prstGeom prst="rect">
+              <a:avLst/>
+            </a:prstGeom>
+            <a:noFill/>
+            <a:ln>
+              <a:noFill/>
+            </a:ln>
+          </p:spPr>
+          <p:txBody>
+            <a:bodyPr wrap="square" rtlCol="0">
+              <a:spAutoFit/>
+            </a:bodyPr>
+            <a:lstStyle/>
+            <a:p>
+              <a:r>
+                <a:rPr lang="pt-BR" sz="1200" b="1" kern="0" dirty="0">
+                  <a:solidFill>
+                    <a:schemeClr val="bg1"/>
+                  </a:solidFill>
+                  <a:latin typeface="Arial Black" panose="020B0A04020102020204" pitchFamily="34" charset="0"/>
+                </a:rPr>
+                <a:t>#PYTHON</a:t>
+              </a:r>
+              <a:endParaRPr lang="pt-BR" sz="1200" b="1" dirty="0">
+                <a:solidFill>
+                  <a:schemeClr val="bg1"/>
+                </a:solidFill>
+                <a:latin typeface="Arial Black" panose="020B0A04020102020204" pitchFamily="34" charset="0"/>
+              </a:endParaRPr>
+            </a:p>
+          </p:txBody>
+        </p:sp>
+        <p:sp>
+          <p:nvSpPr>
+            <p:cNvPr id="11" name="CaixaDeTexto 10">
+              <a:extLst>
+                <a:ext uri="{FF2B5EF4-FFF2-40B4-BE49-F238E27FC236}">
+                  <a16:creationId xmlns:a16="http://schemas.microsoft.com/office/drawing/2014/main" id="{2BF5CC89-76D1-F9E4-BDEF-AC616AD2C7B4}"/>
+                </a:ext>
+              </a:extLst>
+            </p:cNvPr>
+            <p:cNvSpPr txBox="1"/>
+            <p:nvPr/>
+          </p:nvSpPr>
+          <p:spPr>
+            <a:xfrm>
+              <a:off x="2951014" y="1649291"/>
+              <a:ext cx="7272757" cy="677108"/>
+            </a:xfrm>
+            <a:prstGeom prst="rect">
+              <a:avLst/>
+            </a:prstGeom>
+            <a:noFill/>
+          </p:spPr>
+          <p:txBody>
+            <a:bodyPr wrap="square" rtlCol="0">
+              <a:spAutoFit/>
+            </a:bodyPr>
+            <a:lstStyle/>
+            <a:p>
+              <a:r>
+                <a:rPr lang="pt-BR" sz="3800" b="1" kern="0" dirty="0">
+                  <a:solidFill>
+                    <a:schemeClr val="bg1"/>
+                  </a:solidFill>
+                  <a:latin typeface="Arial Black" panose="020B0A04020102020204" pitchFamily="34" charset="0"/>
+                  <a:ea typeface="Times New Roman" panose="02020603050405020304" pitchFamily="18" charset="0"/>
+                </a:rPr>
+                <a:t>CÓDIGO MANUTENÍVEL</a:t>
+              </a:r>
+              <a:endParaRPr lang="pt-BR" sz="3800" b="1" dirty="0">
+                <a:solidFill>
+                  <a:schemeClr val="bg1"/>
+                </a:solidFill>
+                <a:latin typeface="Arial Black" panose="020B0A04020102020204" pitchFamily="34" charset="0"/>
+              </a:endParaRPr>
+            </a:p>
+          </p:txBody>
+        </p:sp>
+      </p:grpSp>
+      <p:pic>
+        <p:nvPicPr>
+          <p:cNvPr id="3" name="Imagem 2">
+            <a:extLst>
+              <a:ext uri="{FF2B5EF4-FFF2-40B4-BE49-F238E27FC236}">
+                <a16:creationId xmlns:a16="http://schemas.microsoft.com/office/drawing/2014/main" id="{4A1D9F03-4AF8-92B1-8C39-360F83317728}"/>
+              </a:ext>
+            </a:extLst>
+          </p:cNvPr>
+          <p:cNvPicPr>
+            <a:picLocks noChangeAspect="1"/>
+          </p:cNvPicPr>
+          <p:nvPr/>
+        </p:nvPicPr>
+        <p:blipFill>
+          <a:blip r:embed="rId2">
+            <a:extLst>
+              <a:ext uri="{28A0092B-C50C-407E-A947-70E740481C1C}">
+                <a14:useLocalDpi xmlns:a14="http://schemas.microsoft.com/office/drawing/2010/main" val="0"/>
+              </a:ext>
+            </a:extLst>
+          </a:blip>
+          <a:stretch>
+            <a:fillRect/>
+          </a:stretch>
+        </p:blipFill>
+        <p:spPr>
+          <a:xfrm flipH="1">
+            <a:off x="923635" y="-142476"/>
+            <a:ext cx="3127683" cy="3722255"/>
+          </a:xfrm>
+          <a:prstGeom prst="rect">
+            <a:avLst/>
+          </a:prstGeom>
+        </p:spPr>
+      </p:pic>
+    </p:spTree>
+    <p:extLst>
+      <p:ext uri="{BB962C8B-B14F-4D97-AF65-F5344CB8AC3E}">
+        <p14:creationId xmlns:p14="http://schemas.microsoft.com/office/powerpoint/2010/main" val="4113155527"/>
+      </p:ext>
+    </p:extLst>
+  </p:cSld>
+  <p:clrMapOvr>
+    <a:masterClrMapping/>
+  </p:clrMapOvr>
+</p:sld>
+</file>
+
+<file path=ppt/slides/slide4.xml><?xml version="1.0" encoding="utf-8"?>
+<p:sld xmlns:a="http://schemas.openxmlformats.org/drawingml/2006/main" xmlns:r="http://schemas.openxmlformats.org/officeDocument/2006/relationships" xmlns:p="http://schemas.openxmlformats.org/presentationml/2006/main">
+  <p:cSld>
+    <p:bg>
+      <p:bgPr>
+        <a:solidFill>
+          <a:schemeClr val="bg1">
+            <a:alpha val="1000"/>
+          </a:schemeClr>
+        </a:solidFill>
+        <a:effectLst/>
+      </p:bgPr>
+    </p:bg>
+    <p:spTree>
+      <p:nvGrpSpPr>
+        <p:cNvPr id="1" name=""/>
+        <p:cNvGrpSpPr/>
+        <p:nvPr/>
+      </p:nvGrpSpPr>
+      <p:grpSpPr>
+        <a:xfrm>
+          <a:off x="0" y="0"/>
+          <a:ext cx="0" cy="0"/>
+          <a:chOff x="0" y="0"/>
+          <a:chExt cx="0" cy="0"/>
+        </a:xfrm>
+      </p:grpSpPr>
+      <p:grpSp>
+        <p:nvGrpSpPr>
+          <p:cNvPr id="14" name="Agrupar 13">
+            <a:extLst>
+              <a:ext uri="{FF2B5EF4-FFF2-40B4-BE49-F238E27FC236}">
+                <a16:creationId xmlns:a16="http://schemas.microsoft.com/office/drawing/2014/main" id="{14D89B99-7653-A104-DA76-0A06DFE32CD6}"/>
+              </a:ext>
+            </a:extLst>
+          </p:cNvPr>
+          <p:cNvGrpSpPr/>
+          <p:nvPr/>
+        </p:nvGrpSpPr>
+        <p:grpSpPr>
+          <a:xfrm>
+            <a:off x="-1" y="542310"/>
+            <a:ext cx="10799763" cy="2700338"/>
+            <a:chOff x="-1" y="269938"/>
+            <a:chExt cx="10799763" cy="2700338"/>
+          </a:xfrm>
+        </p:grpSpPr>
+        <p:sp>
+          <p:nvSpPr>
+            <p:cNvPr id="6" name="Retângulo 5">
+              <a:extLst>
+                <a:ext uri="{FF2B5EF4-FFF2-40B4-BE49-F238E27FC236}">
+                  <a16:creationId xmlns:a16="http://schemas.microsoft.com/office/drawing/2014/main" id="{0A686413-3FB1-B1EA-019E-CA3BA22B58B5}"/>
+                </a:ext>
+              </a:extLst>
+            </p:cNvPr>
+            <p:cNvSpPr/>
+            <p:nvPr/>
+          </p:nvSpPr>
+          <p:spPr>
+            <a:xfrm>
+              <a:off x="-1" y="269938"/>
+              <a:ext cx="10799763" cy="2700338"/>
+            </a:xfrm>
+            <a:prstGeom prst="rect">
+              <a:avLst/>
+            </a:prstGeom>
+            <a:gradFill>
+              <a:gsLst>
+                <a:gs pos="34000">
+                  <a:srgbClr val="17AA4A">
+                    <a:lumMod val="95000"/>
+                    <a:alpha val="57000"/>
+                  </a:srgbClr>
+                </a:gs>
+                <a:gs pos="0">
+                  <a:srgbClr val="FED932"/>
+                </a:gs>
+                <a:gs pos="99000">
+                  <a:srgbClr val="A56421"/>
+                </a:gs>
+                <a:gs pos="72000">
+                  <a:srgbClr val="013FB7"/>
+                </a:gs>
+              </a:gsLst>
+              <a:lin ang="5400000" scaled="1"/>
+            </a:gradFill>
+            <a:ln>
+              <a:noFill/>
+            </a:ln>
+          </p:spPr>
+          <p:style>
+            <a:lnRef idx="2">
+              <a:schemeClr val="accent1">
+                <a:shade val="15000"/>
+              </a:schemeClr>
+            </a:lnRef>
+            <a:fillRef idx="1">
+              <a:schemeClr val="accent1"/>
+            </a:fillRef>
+            <a:effectRef idx="0">
+              <a:schemeClr val="accent1"/>
+            </a:effectRef>
+            <a:fontRef idx="minor">
+              <a:schemeClr val="lt1"/>
+            </a:fontRef>
+          </p:style>
+          <p:txBody>
+            <a:bodyPr rtlCol="0" anchor="ctr"/>
+            <a:lstStyle/>
+            <a:p>
+              <a:pPr algn="ctr"/>
+              <a:endParaRPr lang="pt-BR" sz="1688" b="1" dirty="0">
+                <a:solidFill>
+                  <a:schemeClr val="bg1"/>
+                </a:solidFill>
+                <a:latin typeface="Arial Rounded MT Bold" panose="020F0704030504030204" pitchFamily="34" charset="0"/>
+              </a:endParaRPr>
+            </a:p>
+          </p:txBody>
+        </p:sp>
+        <p:sp>
+          <p:nvSpPr>
+            <p:cNvPr id="13" name="CaixaDeTexto 12">
+              <a:extLst>
+                <a:ext uri="{FF2B5EF4-FFF2-40B4-BE49-F238E27FC236}">
+                  <a16:creationId xmlns:a16="http://schemas.microsoft.com/office/drawing/2014/main" id="{1A766BF3-B618-99B6-EE02-B7082F967C0C}"/>
+                </a:ext>
+              </a:extLst>
+            </p:cNvPr>
+            <p:cNvSpPr txBox="1"/>
+            <p:nvPr/>
+          </p:nvSpPr>
+          <p:spPr>
+            <a:xfrm>
+              <a:off x="2982327" y="1223191"/>
+              <a:ext cx="1371310" cy="276999"/>
+            </a:xfrm>
+            <a:prstGeom prst="rect">
+              <a:avLst/>
+            </a:prstGeom>
+            <a:noFill/>
+            <a:ln>
+              <a:noFill/>
+            </a:ln>
+          </p:spPr>
+          <p:txBody>
+            <a:bodyPr wrap="square" rtlCol="0">
+              <a:spAutoFit/>
+            </a:bodyPr>
+            <a:lstStyle/>
+            <a:p>
+              <a:r>
+                <a:rPr lang="pt-BR" sz="1200" b="1" kern="0" dirty="0">
+                  <a:solidFill>
+                    <a:schemeClr val="bg1"/>
+                  </a:solidFill>
+                  <a:latin typeface="Arial Black" panose="020B0A04020102020204" pitchFamily="34" charset="0"/>
+                </a:rPr>
+                <a:t>#PYTHON</a:t>
+              </a:r>
+              <a:endParaRPr lang="pt-BR" sz="1200" b="1" dirty="0">
+                <a:solidFill>
+                  <a:schemeClr val="bg1"/>
+                </a:solidFill>
+                <a:latin typeface="Arial Black" panose="020B0A04020102020204" pitchFamily="34" charset="0"/>
+              </a:endParaRPr>
+            </a:p>
+          </p:txBody>
+        </p:sp>
+        <p:sp>
+          <p:nvSpPr>
+            <p:cNvPr id="11" name="CaixaDeTexto 10">
+              <a:extLst>
+                <a:ext uri="{FF2B5EF4-FFF2-40B4-BE49-F238E27FC236}">
+                  <a16:creationId xmlns:a16="http://schemas.microsoft.com/office/drawing/2014/main" id="{2BF5CC89-76D1-F9E4-BDEF-AC616AD2C7B4}"/>
+                </a:ext>
+              </a:extLst>
+            </p:cNvPr>
+            <p:cNvSpPr txBox="1"/>
+            <p:nvPr/>
+          </p:nvSpPr>
+          <p:spPr>
+            <a:xfrm>
+              <a:off x="2951014" y="1649291"/>
+              <a:ext cx="7272757" cy="646331"/>
+            </a:xfrm>
+            <a:prstGeom prst="rect">
+              <a:avLst/>
+            </a:prstGeom>
+            <a:noFill/>
+          </p:spPr>
+          <p:txBody>
+            <a:bodyPr wrap="square" rtlCol="0">
+              <a:spAutoFit/>
+            </a:bodyPr>
+            <a:lstStyle/>
+            <a:p>
+              <a:r>
+                <a:rPr lang="pt-BR" sz="3600" b="1" kern="0" dirty="0">
+                  <a:solidFill>
+                    <a:schemeClr val="bg1"/>
+                  </a:solidFill>
+                  <a:latin typeface="Arial Black" panose="020B0A04020102020204" pitchFamily="34" charset="0"/>
+                </a:rPr>
+                <a:t>ESTILOS NOMENCLATURA</a:t>
+              </a:r>
+              <a:endParaRPr lang="pt-BR" sz="3600" b="1" dirty="0">
+                <a:solidFill>
+                  <a:schemeClr val="bg1"/>
+                </a:solidFill>
+                <a:latin typeface="Arial Black" panose="020B0A04020102020204" pitchFamily="34" charset="0"/>
+              </a:endParaRPr>
+            </a:p>
+          </p:txBody>
+        </p:sp>
+      </p:grpSp>
+      <p:pic>
+        <p:nvPicPr>
+          <p:cNvPr id="4" name="Imagem 3">
+            <a:extLst>
+              <a:ext uri="{FF2B5EF4-FFF2-40B4-BE49-F238E27FC236}">
+                <a16:creationId xmlns:a16="http://schemas.microsoft.com/office/drawing/2014/main" id="{09223FC4-7B0E-15ED-4DA3-5BF59D580779}"/>
+              </a:ext>
+            </a:extLst>
+          </p:cNvPr>
+          <p:cNvPicPr>
+            <a:picLocks noChangeAspect="1"/>
+          </p:cNvPicPr>
+          <p:nvPr/>
+        </p:nvPicPr>
+        <p:blipFill>
+          <a:blip r:embed="rId2">
+            <a:extLst>
+              <a:ext uri="{28A0092B-C50C-407E-A947-70E740481C1C}">
+                <a14:useLocalDpi xmlns:a14="http://schemas.microsoft.com/office/drawing/2010/main" val="0"/>
+              </a:ext>
+            </a:extLst>
+          </a:blip>
+          <a:stretch>
+            <a:fillRect/>
+          </a:stretch>
+        </p:blipFill>
+        <p:spPr>
+          <a:xfrm>
+            <a:off x="962389" y="-1"/>
+            <a:ext cx="2160059" cy="3482109"/>
+          </a:xfrm>
+          <a:prstGeom prst="rect">
+            <a:avLst/>
+          </a:prstGeom>
+        </p:spPr>
+      </p:pic>
+    </p:spTree>
+    <p:extLst>
+      <p:ext uri="{BB962C8B-B14F-4D97-AF65-F5344CB8AC3E}">
+        <p14:creationId xmlns:p14="http://schemas.microsoft.com/office/powerpoint/2010/main" val="697481728"/>
+      </p:ext>
+    </p:extLst>
+  </p:cSld>
+  <p:clrMapOvr>
+    <a:masterClrMapping/>
+  </p:clrMapOvr>
+</p:sld>
+</file>
+
 <file path=ppt/theme/theme1.xml><?xml version="1.0" encoding="utf-8"?>
 <a:theme xmlns:a="http://schemas.openxmlformats.org/drawingml/2006/main" name="Tema do Office">
   <a:themeElements>
